--- a/slides/meeting_20210819.pptx
+++ b/slides/meeting_20210819.pptx
@@ -11,8 +11,8 @@
     <p:sldId id="262" r:id="rId5"/>
     <p:sldId id="263" r:id="rId6"/>
     <p:sldId id="264" r:id="rId7"/>
-    <p:sldId id="267" r:id="rId8"/>
-    <p:sldId id="265" r:id="rId9"/>
+    <p:sldId id="265" r:id="rId8"/>
+    <p:sldId id="267" r:id="rId9"/>
     <p:sldId id="257" r:id="rId10"/>
     <p:sldId id="258" r:id="rId11"/>
     <p:sldId id="259" r:id="rId12"/>
@@ -22557,66 +22557,6 @@
       </p:grpSpPr>
       <p:pic>
         <p:nvPicPr>
-          <p:cNvPr id="5" name="Picture 4">
-            <a:extLst>
-              <a:ext uri="{FF2B5EF4-FFF2-40B4-BE49-F238E27FC236}">
-                <a16:creationId xmlns:a16="http://schemas.microsoft.com/office/drawing/2014/main" id="{A509D0A7-23E8-804F-9248-6D2D716562B9}"/>
-              </a:ext>
-            </a:extLst>
-          </p:cNvPr>
-          <p:cNvPicPr>
-            <a:picLocks noChangeAspect="1"/>
-          </p:cNvPicPr>
-          <p:nvPr/>
-        </p:nvPicPr>
-        <p:blipFill>
-          <a:blip r:embed="rId2"/>
-          <a:stretch>
-            <a:fillRect/>
-          </a:stretch>
-        </p:blipFill>
-        <p:spPr>
-          <a:xfrm>
-            <a:off x="1295400" y="228600"/>
-            <a:ext cx="9601200" cy="6400800"/>
-          </a:xfrm>
-          <a:prstGeom prst="rect">
-            <a:avLst/>
-          </a:prstGeom>
-        </p:spPr>
-      </p:pic>
-    </p:spTree>
-    <p:extLst>
-      <p:ext uri="{BB962C8B-B14F-4D97-AF65-F5344CB8AC3E}">
-        <p14:creationId xmlns:p14="http://schemas.microsoft.com/office/powerpoint/2010/main" val="264982793"/>
-      </p:ext>
-    </p:extLst>
-  </p:cSld>
-  <p:clrMapOvr>
-    <a:masterClrMapping/>
-  </p:clrMapOvr>
-</p:sld>
-</file>
-
-<file path=ppt/slides/slide8.xml><?xml version="1.0" encoding="utf-8"?>
-<p:sld xmlns:a="http://schemas.openxmlformats.org/drawingml/2006/main" xmlns:r="http://schemas.openxmlformats.org/officeDocument/2006/relationships" xmlns:p="http://schemas.openxmlformats.org/presentationml/2006/main">
-  <p:cSld>
-    <p:spTree>
-      <p:nvGrpSpPr>
-        <p:cNvPr id="1" name=""/>
-        <p:cNvGrpSpPr/>
-        <p:nvPr/>
-      </p:nvGrpSpPr>
-      <p:grpSpPr>
-        <a:xfrm>
-          <a:off x="0" y="0"/>
-          <a:ext cx="0" cy="0"/>
-          <a:chOff x="0" y="0"/>
-          <a:chExt cx="0" cy="0"/>
-        </a:xfrm>
-      </p:grpSpPr>
-      <p:pic>
-        <p:nvPicPr>
           <p:cNvPr id="3" name="Picture 2">
             <a:extLst>
               <a:ext uri="{FF2B5EF4-FFF2-40B4-BE49-F238E27FC236}">
@@ -22649,6 +22589,121 @@
     <p:extLst>
       <p:ext uri="{BB962C8B-B14F-4D97-AF65-F5344CB8AC3E}">
         <p14:creationId xmlns:p14="http://schemas.microsoft.com/office/powerpoint/2010/main" val="2887255739"/>
+      </p:ext>
+    </p:extLst>
+  </p:cSld>
+  <p:clrMapOvr>
+    <a:masterClrMapping/>
+  </p:clrMapOvr>
+</p:sld>
+</file>
+
+<file path=ppt/slides/slide8.xml><?xml version="1.0" encoding="utf-8"?>
+<p:sld xmlns:a="http://schemas.openxmlformats.org/drawingml/2006/main" xmlns:r="http://schemas.openxmlformats.org/officeDocument/2006/relationships" xmlns:p="http://schemas.openxmlformats.org/presentationml/2006/main">
+  <p:cSld>
+    <p:spTree>
+      <p:nvGrpSpPr>
+        <p:cNvPr id="1" name=""/>
+        <p:cNvGrpSpPr/>
+        <p:nvPr/>
+      </p:nvGrpSpPr>
+      <p:grpSpPr>
+        <a:xfrm>
+          <a:off x="0" y="0"/>
+          <a:ext cx="0" cy="0"/>
+          <a:chOff x="0" y="0"/>
+          <a:chExt cx="0" cy="0"/>
+        </a:xfrm>
+      </p:grpSpPr>
+      <p:pic>
+        <p:nvPicPr>
+          <p:cNvPr id="5" name="Picture 4">
+            <a:extLst>
+              <a:ext uri="{FF2B5EF4-FFF2-40B4-BE49-F238E27FC236}">
+                <a16:creationId xmlns:a16="http://schemas.microsoft.com/office/drawing/2014/main" id="{A509D0A7-23E8-804F-9248-6D2D716562B9}"/>
+              </a:ext>
+            </a:extLst>
+          </p:cNvPr>
+          <p:cNvPicPr>
+            <a:picLocks noChangeAspect="1"/>
+          </p:cNvPicPr>
+          <p:nvPr/>
+        </p:nvPicPr>
+        <p:blipFill>
+          <a:blip r:embed="rId2"/>
+          <a:stretch>
+            <a:fillRect/>
+          </a:stretch>
+        </p:blipFill>
+        <p:spPr>
+          <a:xfrm>
+            <a:off x="1295400" y="228600"/>
+            <a:ext cx="9601200" cy="6400800"/>
+          </a:xfrm>
+          <a:prstGeom prst="rect">
+            <a:avLst/>
+          </a:prstGeom>
+        </p:spPr>
+      </p:pic>
+      <p:sp>
+        <p:nvSpPr>
+          <p:cNvPr id="6" name="Rectangle 5">
+            <a:extLst>
+              <a:ext uri="{FF2B5EF4-FFF2-40B4-BE49-F238E27FC236}">
+                <a16:creationId xmlns:a16="http://schemas.microsoft.com/office/drawing/2014/main" id="{EF6A73AF-A06A-514F-9197-80DAE70AC990}"/>
+              </a:ext>
+            </a:extLst>
+          </p:cNvPr>
+          <p:cNvSpPr/>
+          <p:nvPr/>
+        </p:nvSpPr>
+        <p:spPr>
+          <a:xfrm>
+            <a:off x="3515709" y="491040"/>
+            <a:ext cx="5160580" cy="588579"/>
+          </a:xfrm>
+          <a:prstGeom prst="rect">
+            <a:avLst/>
+          </a:prstGeom>
+          <a:solidFill>
+            <a:srgbClr val="C00000"/>
+          </a:solidFill>
+          <a:ln>
+            <a:noFill/>
+          </a:ln>
+        </p:spPr>
+        <p:style>
+          <a:lnRef idx="2">
+            <a:schemeClr val="accent1">
+              <a:shade val="50000"/>
+            </a:schemeClr>
+          </a:lnRef>
+          <a:fillRef idx="1">
+            <a:schemeClr val="accent1"/>
+          </a:fillRef>
+          <a:effectRef idx="0">
+            <a:schemeClr val="accent1"/>
+          </a:effectRef>
+          <a:fontRef idx="minor">
+            <a:schemeClr val="lt1"/>
+          </a:fontRef>
+        </p:style>
+        <p:txBody>
+          <a:bodyPr rtlCol="0" anchor="ctr"/>
+          <a:lstStyle/>
+          <a:p>
+            <a:pPr algn="ctr"/>
+            <a:r>
+              <a:rPr lang="en-US" b="1" dirty="0"/>
+              <a:t>RESULTS FROM INITIAL SUBMISSION</a:t>
+            </a:r>
+          </a:p>
+        </p:txBody>
+      </p:sp>
+    </p:spTree>
+    <p:extLst>
+      <p:ext uri="{BB962C8B-B14F-4D97-AF65-F5344CB8AC3E}">
+        <p14:creationId xmlns:p14="http://schemas.microsoft.com/office/powerpoint/2010/main" val="264982793"/>
       </p:ext>
     </p:extLst>
   </p:cSld>
